--- a/npm.pptx
+++ b/npm.pptx
@@ -107,6 +107,11 @@
       </a:defRPr>
     </a:lvl9pPr>
   </p:defaultTextStyle>
+  <p:extLst>
+    <p:ext uri="{EFAFB233-063F-42B5-8137-9DF3F51BA10A}">
+      <p15:sldGuideLst xmlns:p15="http://schemas.microsoft.com/office/powerpoint/2012/main"/>
+    </p:ext>
+  </p:extLst>
 </p:presentation>
 </file>
 
@@ -3766,7 +3771,7 @@
         <p:spPr/>
         <p:txBody>
           <a:bodyPr>
-            <a:normAutofit fontScale="92500" lnSpcReduction="10000"/>
+            <a:normAutofit lnSpcReduction="10000"/>
           </a:bodyPr>
           <a:lstStyle/>
           <a:p>
@@ -3857,11 +3862,8 @@
           <a:p>
             <a:r>
               <a:rPr lang="en-US" sz="1800" dirty="0"/>
-              <a:t>Remember to version each publish, and make detailed notes on what was changed!</a:t>
-            </a:r>
-          </a:p>
-          <a:p>
-            <a:pPr lvl="1"/>
+              <a:t>Remember to version each publish, and make detailed notes!</a:t>
+            </a:r>
             <a:endParaRPr lang="en-US" dirty="0"/>
           </a:p>
           <a:p>
@@ -3877,10 +3879,55 @@
       </p:sp>
       <p:pic>
         <p:nvPicPr>
-          <p:cNvPr id="5" name="Picture 4" descr="Text&#10;&#10;Description automatically generated">
-            <a:extLst>
-              <a:ext uri="{FF2B5EF4-FFF2-40B4-BE49-F238E27FC236}">
-                <a16:creationId xmlns:a16="http://schemas.microsoft.com/office/drawing/2014/main" id="{714067AE-9BE0-43F8-BA36-20585039C685}"/>
+          <p:cNvPr id="6" name="Picture 5" descr="Text&#10;&#10;Description automatically generated">
+            <a:extLst>
+              <a:ext uri="{FF2B5EF4-FFF2-40B4-BE49-F238E27FC236}">
+                <a16:creationId xmlns:a16="http://schemas.microsoft.com/office/drawing/2014/main" id="{5B28DB64-EE64-42F0-B879-EECA5DF874AE}"/>
+              </a:ext>
+            </a:extLst>
+          </p:cNvPr>
+          <p:cNvPicPr>
+            <a:picLocks noChangeAspect="1"/>
+          </p:cNvPicPr>
+          <p:nvPr/>
+        </p:nvPicPr>
+        <p:blipFill rotWithShape="1">
+          <a:blip r:embed="rId2">
+            <a:extLst>
+              <a:ext uri="{28A0092B-C50C-407E-A947-70E740481C1C}">
+                <a14:useLocalDpi xmlns:a14="http://schemas.microsoft.com/office/drawing/2010/main" val="0"/>
+              </a:ext>
+            </a:extLst>
+          </a:blip>
+          <a:srcRect l="7209" t="62528" r="17647"/>
+          <a:stretch/>
+        </p:blipFill>
+        <p:spPr>
+          <a:xfrm>
+            <a:off x="1559084" y="3211895"/>
+            <a:ext cx="7611229" cy="1386585"/>
+          </a:xfrm>
+          <a:prstGeom prst="rect">
+            <a:avLst/>
+          </a:prstGeom>
+          <a:ln>
+            <a:noFill/>
+          </a:ln>
+          <a:effectLst>
+            <a:outerShdw blurRad="190500" algn="tl" rotWithShape="0">
+              <a:srgbClr val="000000">
+                <a:alpha val="70000"/>
+              </a:srgbClr>
+            </a:outerShdw>
+          </a:effectLst>
+        </p:spPr>
+      </p:pic>
+      <p:pic>
+        <p:nvPicPr>
+          <p:cNvPr id="8" name="Picture 7" descr="Text&#10;&#10;Description automatically generated">
+            <a:extLst>
+              <a:ext uri="{FF2B5EF4-FFF2-40B4-BE49-F238E27FC236}">
+                <a16:creationId xmlns:a16="http://schemas.microsoft.com/office/drawing/2014/main" id="{B0666405-834C-40EB-A475-8E143BD3C422}"/>
               </a:ext>
             </a:extLst>
           </p:cNvPr>
@@ -3890,7 +3937,7 @@
           <p:nvPr/>
         </p:nvPicPr>
         <p:blipFill>
-          <a:blip r:embed="rId2">
+          <a:blip r:embed="rId3">
             <a:extLst>
               <a:ext uri="{28A0092B-C50C-407E-A947-70E740481C1C}">
                 <a14:useLocalDpi xmlns:a14="http://schemas.microsoft.com/office/drawing/2010/main" val="0"/>
@@ -3903,12 +3950,22 @@
         </p:blipFill>
         <p:spPr>
           <a:xfrm>
-            <a:off x="2271484" y="3377319"/>
-            <a:ext cx="7173326" cy="1247949"/>
+            <a:off x="6980350" y="3905188"/>
+            <a:ext cx="4637135" cy="2587687"/>
           </a:xfrm>
           <a:prstGeom prst="rect">
             <a:avLst/>
           </a:prstGeom>
+          <a:ln>
+            <a:noFill/>
+          </a:ln>
+          <a:effectLst>
+            <a:outerShdw blurRad="190500" algn="tl" rotWithShape="0">
+              <a:srgbClr val="000000">
+                <a:alpha val="70000"/>
+              </a:srgbClr>
+            </a:outerShdw>
+          </a:effectLst>
         </p:spPr>
       </p:pic>
     </p:spTree>
